--- a/开题相关/白雪峰开题.pptx
+++ b/开题相关/白雪峰开题.pptx
@@ -316,7 +316,7 @@
             <a:fld id="{2E40A7C9-3A56-4522-8CF2-54E93CE4DDB8}" type="datetime1">
               <a:rPr lang="zh-CN" altLang="en-US"/>
               <a:pPr/>
-              <a:t>2017/3/15</a:t>
+              <a:t>2017/3/23</a:t>
             </a:fld>
             <a:endParaRPr lang="zh-CN" altLang="en-US"/>
           </a:p>
@@ -836,7 +836,7 @@
             <a:fld id="{5F29E6FD-E985-4FF4-9DA0-B4445FE0F2C1}" type="datetime1">
               <a:rPr lang="zh-CN" altLang="en-US"/>
               <a:pPr/>
-              <a:t>2017/3/15</a:t>
+              <a:t>2017/3/23</a:t>
             </a:fld>
             <a:endParaRPr lang="zh-CN" altLang="en-US"/>
           </a:p>
@@ -997,7 +997,7 @@
             <a:fld id="{5F29E6FD-E985-4FF4-9DA0-B4445FE0F2C1}" type="datetime1">
               <a:rPr lang="zh-CN" altLang="en-US"/>
               <a:pPr/>
-              <a:t>2017/3/15</a:t>
+              <a:t>2017/3/23</a:t>
             </a:fld>
             <a:endParaRPr lang="zh-CN" altLang="en-US"/>
           </a:p>
@@ -1168,7 +1168,7 @@
             <a:fld id="{5F29E6FD-E985-4FF4-9DA0-B4445FE0F2C1}" type="datetime1">
               <a:rPr lang="zh-CN" altLang="en-US"/>
               <a:pPr/>
-              <a:t>2017/3/15</a:t>
+              <a:t>2017/3/23</a:t>
             </a:fld>
             <a:endParaRPr lang="zh-CN" altLang="en-US"/>
           </a:p>
@@ -1351,7 +1351,7 @@
             <a:fld id="{E5BDB0F5-A845-4741-BE77-3A379719859A}" type="datetime1">
               <a:rPr lang="zh-CN" altLang="en-US"/>
               <a:pPr/>
-              <a:t>2017/3/15</a:t>
+              <a:t>2017/3/23</a:t>
             </a:fld>
             <a:endParaRPr lang="zh-CN" altLang="en-US"/>
           </a:p>
@@ -1512,7 +1512,7 @@
             <a:fld id="{E5BDB0F5-A845-4741-BE77-3A379719859A}" type="datetime1">
               <a:rPr lang="zh-CN" altLang="en-US"/>
               <a:pPr/>
-              <a:t>2017/3/15</a:t>
+              <a:t>2017/3/23</a:t>
             </a:fld>
             <a:endParaRPr lang="zh-CN" altLang="en-US"/>
           </a:p>
@@ -1695,7 +1695,7 @@
             <a:fld id="{E5BDB0F5-A845-4741-BE77-3A379719859A}" type="datetime1">
               <a:rPr lang="zh-CN" altLang="en-US"/>
               <a:pPr/>
-              <a:t>2017/3/15</a:t>
+              <a:t>2017/3/23</a:t>
             </a:fld>
             <a:endParaRPr lang="zh-CN" altLang="en-US"/>
           </a:p>
@@ -1918,7 +1918,7 @@
             <a:fld id="{E5BDB0F5-A845-4741-BE77-3A379719859A}" type="datetime1">
               <a:rPr lang="zh-CN" altLang="en-US"/>
               <a:pPr/>
-              <a:t>2017/3/15</a:t>
+              <a:t>2017/3/23</a:t>
             </a:fld>
             <a:endParaRPr lang="zh-CN" altLang="en-US"/>
           </a:p>
@@ -2276,7 +2276,7 @@
             <a:fld id="{E5BDB0F5-A845-4741-BE77-3A379719859A}" type="datetime1">
               <a:rPr lang="zh-CN" altLang="en-US"/>
               <a:pPr/>
-              <a:t>2017/3/15</a:t>
+              <a:t>2017/3/23</a:t>
             </a:fld>
             <a:endParaRPr lang="zh-CN" altLang="en-US"/>
           </a:p>
@@ -2385,7 +2385,7 @@
             <a:fld id="{E5BDB0F5-A845-4741-BE77-3A379719859A}" type="datetime1">
               <a:rPr lang="zh-CN" altLang="en-US"/>
               <a:pPr/>
-              <a:t>2017/3/15</a:t>
+              <a:t>2017/3/23</a:t>
             </a:fld>
             <a:endParaRPr lang="zh-CN" altLang="en-US"/>
           </a:p>
@@ -2471,7 +2471,7 @@
             <a:fld id="{E5BDB0F5-A845-4741-BE77-3A379719859A}" type="datetime1">
               <a:rPr lang="zh-CN" altLang="en-US"/>
               <a:pPr/>
-              <a:t>2017/3/15</a:t>
+              <a:t>2017/3/23</a:t>
             </a:fld>
             <a:endParaRPr lang="zh-CN" altLang="en-US"/>
           </a:p>
@@ -2739,7 +2739,7 @@
             <a:fld id="{E5BDB0F5-A845-4741-BE77-3A379719859A}" type="datetime1">
               <a:rPr lang="zh-CN" altLang="en-US"/>
               <a:pPr/>
-              <a:t>2017/3/15</a:t>
+              <a:t>2017/3/23</a:t>
             </a:fld>
             <a:endParaRPr lang="zh-CN" altLang="en-US"/>
           </a:p>
@@ -2900,7 +2900,7 @@
             <a:fld id="{5F29E6FD-E985-4FF4-9DA0-B4445FE0F2C1}" type="datetime1">
               <a:rPr lang="zh-CN" altLang="en-US"/>
               <a:pPr/>
-              <a:t>2017/3/15</a:t>
+              <a:t>2017/3/23</a:t>
             </a:fld>
             <a:endParaRPr lang="zh-CN" altLang="en-US"/>
           </a:p>
@@ -3144,7 +3144,7 @@
             <a:fld id="{E5BDB0F5-A845-4741-BE77-3A379719859A}" type="datetime1">
               <a:rPr lang="zh-CN" altLang="en-US"/>
               <a:pPr/>
-              <a:t>2017/3/15</a:t>
+              <a:t>2017/3/23</a:t>
             </a:fld>
             <a:endParaRPr lang="zh-CN" altLang="en-US"/>
           </a:p>
@@ -3305,7 +3305,7 @@
             <a:fld id="{E5BDB0F5-A845-4741-BE77-3A379719859A}" type="datetime1">
               <a:rPr lang="zh-CN" altLang="en-US"/>
               <a:pPr/>
-              <a:t>2017/3/15</a:t>
+              <a:t>2017/3/23</a:t>
             </a:fld>
             <a:endParaRPr lang="zh-CN" altLang="en-US"/>
           </a:p>
@@ -3476,7 +3476,7 @@
             <a:fld id="{E5BDB0F5-A845-4741-BE77-3A379719859A}" type="datetime1">
               <a:rPr lang="zh-CN" altLang="en-US"/>
               <a:pPr/>
-              <a:t>2017/3/15</a:t>
+              <a:t>2017/3/23</a:t>
             </a:fld>
             <a:endParaRPr lang="zh-CN" altLang="en-US"/>
           </a:p>
@@ -3659,7 +3659,7 @@
             <a:fld id="{7AEF9563-95B1-47AA-9A9C-4F6DA438DFFB}" type="datetime1">
               <a:rPr lang="zh-CN" altLang="en-US"/>
               <a:pPr/>
-              <a:t>2017/3/15</a:t>
+              <a:t>2017/3/23</a:t>
             </a:fld>
             <a:endParaRPr lang="zh-CN" altLang="en-US"/>
           </a:p>
@@ -3820,7 +3820,7 @@
             <a:fld id="{7AEF9563-95B1-47AA-9A9C-4F6DA438DFFB}" type="datetime1">
               <a:rPr lang="zh-CN" altLang="en-US"/>
               <a:pPr/>
-              <a:t>2017/3/15</a:t>
+              <a:t>2017/3/23</a:t>
             </a:fld>
             <a:endParaRPr lang="zh-CN" altLang="en-US"/>
           </a:p>
@@ -4003,7 +4003,7 @@
             <a:fld id="{7AEF9563-95B1-47AA-9A9C-4F6DA438DFFB}" type="datetime1">
               <a:rPr lang="zh-CN" altLang="en-US"/>
               <a:pPr/>
-              <a:t>2017/3/15</a:t>
+              <a:t>2017/3/23</a:t>
             </a:fld>
             <a:endParaRPr lang="zh-CN" altLang="en-US"/>
           </a:p>
@@ -4226,7 +4226,7 @@
             <a:fld id="{7AEF9563-95B1-47AA-9A9C-4F6DA438DFFB}" type="datetime1">
               <a:rPr lang="zh-CN" altLang="en-US"/>
               <a:pPr/>
-              <a:t>2017/3/15</a:t>
+              <a:t>2017/3/23</a:t>
             </a:fld>
             <a:endParaRPr lang="zh-CN" altLang="en-US"/>
           </a:p>
@@ -4584,7 +4584,7 @@
             <a:fld id="{7AEF9563-95B1-47AA-9A9C-4F6DA438DFFB}" type="datetime1">
               <a:rPr lang="zh-CN" altLang="en-US"/>
               <a:pPr/>
-              <a:t>2017/3/15</a:t>
+              <a:t>2017/3/23</a:t>
             </a:fld>
             <a:endParaRPr lang="zh-CN" altLang="en-US"/>
           </a:p>
@@ -4693,7 +4693,7 @@
             <a:fld id="{7AEF9563-95B1-47AA-9A9C-4F6DA438DFFB}" type="datetime1">
               <a:rPr lang="zh-CN" altLang="en-US"/>
               <a:pPr/>
-              <a:t>2017/3/15</a:t>
+              <a:t>2017/3/23</a:t>
             </a:fld>
             <a:endParaRPr lang="zh-CN" altLang="en-US"/>
           </a:p>
@@ -4779,7 +4779,7 @@
             <a:fld id="{7AEF9563-95B1-47AA-9A9C-4F6DA438DFFB}" type="datetime1">
               <a:rPr lang="zh-CN" altLang="en-US"/>
               <a:pPr/>
-              <a:t>2017/3/15</a:t>
+              <a:t>2017/3/23</a:t>
             </a:fld>
             <a:endParaRPr lang="zh-CN" altLang="en-US"/>
           </a:p>
@@ -4962,7 +4962,7 @@
             <a:fld id="{5F29E6FD-E985-4FF4-9DA0-B4445FE0F2C1}" type="datetime1">
               <a:rPr lang="zh-CN" altLang="en-US"/>
               <a:pPr/>
-              <a:t>2017/3/15</a:t>
+              <a:t>2017/3/23</a:t>
             </a:fld>
             <a:endParaRPr lang="zh-CN" altLang="en-US"/>
           </a:p>
@@ -5230,7 +5230,7 @@
             <a:fld id="{7AEF9563-95B1-47AA-9A9C-4F6DA438DFFB}" type="datetime1">
               <a:rPr lang="zh-CN" altLang="en-US"/>
               <a:pPr/>
-              <a:t>2017/3/15</a:t>
+              <a:t>2017/3/23</a:t>
             </a:fld>
             <a:endParaRPr lang="zh-CN" altLang="en-US"/>
           </a:p>
@@ -5474,7 +5474,7 @@
             <a:fld id="{7AEF9563-95B1-47AA-9A9C-4F6DA438DFFB}" type="datetime1">
               <a:rPr lang="zh-CN" altLang="en-US"/>
               <a:pPr/>
-              <a:t>2017/3/15</a:t>
+              <a:t>2017/3/23</a:t>
             </a:fld>
             <a:endParaRPr lang="zh-CN" altLang="en-US"/>
           </a:p>
@@ -5635,7 +5635,7 @@
             <a:fld id="{7AEF9563-95B1-47AA-9A9C-4F6DA438DFFB}" type="datetime1">
               <a:rPr lang="zh-CN" altLang="en-US"/>
               <a:pPr/>
-              <a:t>2017/3/15</a:t>
+              <a:t>2017/3/23</a:t>
             </a:fld>
             <a:endParaRPr lang="zh-CN" altLang="en-US"/>
           </a:p>
@@ -5806,7 +5806,7 @@
             <a:fld id="{7AEF9563-95B1-47AA-9A9C-4F6DA438DFFB}" type="datetime1">
               <a:rPr lang="zh-CN" altLang="en-US"/>
               <a:pPr/>
-              <a:t>2017/3/15</a:t>
+              <a:t>2017/3/23</a:t>
             </a:fld>
             <a:endParaRPr lang="zh-CN" altLang="en-US"/>
           </a:p>
@@ -6029,7 +6029,7 @@
             <a:fld id="{5F29E6FD-E985-4FF4-9DA0-B4445FE0F2C1}" type="datetime1">
               <a:rPr lang="zh-CN" altLang="en-US"/>
               <a:pPr/>
-              <a:t>2017/3/15</a:t>
+              <a:t>2017/3/23</a:t>
             </a:fld>
             <a:endParaRPr lang="zh-CN" altLang="en-US"/>
           </a:p>
@@ -6387,7 +6387,7 @@
             <a:fld id="{5F29E6FD-E985-4FF4-9DA0-B4445FE0F2C1}" type="datetime1">
               <a:rPr lang="zh-CN" altLang="en-US"/>
               <a:pPr/>
-              <a:t>2017/3/15</a:t>
+              <a:t>2017/3/23</a:t>
             </a:fld>
             <a:endParaRPr lang="zh-CN" altLang="en-US"/>
           </a:p>
@@ -6496,7 +6496,7 @@
             <a:fld id="{5F29E6FD-E985-4FF4-9DA0-B4445FE0F2C1}" type="datetime1">
               <a:rPr lang="zh-CN" altLang="en-US"/>
               <a:pPr/>
-              <a:t>2017/3/15</a:t>
+              <a:t>2017/3/23</a:t>
             </a:fld>
             <a:endParaRPr lang="zh-CN" altLang="en-US"/>
           </a:p>
@@ -6582,7 +6582,7 @@
             <a:fld id="{5F29E6FD-E985-4FF4-9DA0-B4445FE0F2C1}" type="datetime1">
               <a:rPr lang="zh-CN" altLang="en-US"/>
               <a:pPr/>
-              <a:t>2017/3/15</a:t>
+              <a:t>2017/3/23</a:t>
             </a:fld>
             <a:endParaRPr lang="zh-CN" altLang="en-US"/>
           </a:p>
@@ -6850,7 +6850,7 @@
             <a:fld id="{5F29E6FD-E985-4FF4-9DA0-B4445FE0F2C1}" type="datetime1">
               <a:rPr lang="zh-CN" altLang="en-US"/>
               <a:pPr/>
-              <a:t>2017/3/15</a:t>
+              <a:t>2017/3/23</a:t>
             </a:fld>
             <a:endParaRPr lang="zh-CN" altLang="en-US"/>
           </a:p>
@@ -7094,7 +7094,7 @@
             <a:fld id="{5F29E6FD-E985-4FF4-9DA0-B4445FE0F2C1}" type="datetime1">
               <a:rPr lang="zh-CN" altLang="en-US"/>
               <a:pPr/>
-              <a:t>2017/3/15</a:t>
+              <a:t>2017/3/23</a:t>
             </a:fld>
             <a:endParaRPr lang="zh-CN" altLang="en-US"/>
           </a:p>
@@ -7484,7 +7484,7 @@
             <a:fld id="{5F29E6FD-E985-4FF4-9DA0-B4445FE0F2C1}" type="datetime1">
               <a:rPr lang="zh-CN" altLang="en-US"/>
               <a:pPr/>
-              <a:t>2017/3/15</a:t>
+              <a:t>2017/3/23</a:t>
             </a:fld>
             <a:endParaRPr lang="zh-CN" altLang="en-US"/>
           </a:p>
@@ -8239,7 +8239,7 @@
             <a:fld id="{E5BDB0F5-A845-4741-BE77-3A379719859A}" type="datetime1">
               <a:rPr lang="zh-CN" altLang="en-US"/>
               <a:pPr/>
-              <a:t>2017/3/15</a:t>
+              <a:t>2017/3/23</a:t>
             </a:fld>
             <a:endParaRPr lang="zh-CN" altLang="en-US"/>
           </a:p>
@@ -9102,7 +9102,7 @@
             <a:fld id="{7AEF9563-95B1-47AA-9A9C-4F6DA438DFFB}" type="datetime1">
               <a:rPr lang="zh-CN" altLang="en-US"/>
               <a:pPr/>
-              <a:t>2017/3/15</a:t>
+              <a:t>2017/3/23</a:t>
             </a:fld>
             <a:endParaRPr lang="zh-CN" altLang="en-US"/>
           </a:p>
@@ -10158,7 +10158,7 @@
                 <a:ea typeface="宋体" panose="02010600030101010101" pitchFamily="2" charset="-122"/>
               </a:rPr>
               <a:pPr/>
-              <a:t>2017/3/15</a:t>
+              <a:t>2017/3/23</a:t>
             </a:fld>
             <a:endParaRPr lang="zh-CN" altLang="en-US" sz="1300" b="1" i="1">
               <a:solidFill>
@@ -10586,7 +10586,7 @@
                 <a:ea typeface="宋体" panose="02010600030101010101" pitchFamily="2" charset="-122"/>
               </a:rPr>
               <a:pPr/>
-              <a:t>2017/3/15</a:t>
+              <a:t>2017/3/23</a:t>
             </a:fld>
             <a:endParaRPr lang="zh-CN" altLang="en-US" sz="1300" b="1" i="1">
               <a:solidFill>
@@ -10973,7 +10973,7 @@
                 <a:ea typeface="宋体" panose="02010600030101010101" pitchFamily="2" charset="-122"/>
               </a:rPr>
               <a:pPr/>
-              <a:t>2017/3/15</a:t>
+              <a:t>2017/3/23</a:t>
             </a:fld>
             <a:endParaRPr lang="zh-CN" altLang="en-US" sz="1300" b="1" i="1">
               <a:solidFill>
@@ -11329,7 +11329,7 @@
                 <a:ea typeface="宋体" panose="02010600030101010101" pitchFamily="2" charset="-122"/>
               </a:rPr>
               <a:pPr/>
-              <a:t>2017/3/15</a:t>
+              <a:t>2017/3/23</a:t>
             </a:fld>
             <a:endParaRPr lang="zh-CN" altLang="en-US" sz="1300" b="1" i="1">
               <a:solidFill>
@@ -11575,7 +11575,7 @@
                 <a:ea typeface="宋体" panose="02010600030101010101" pitchFamily="2" charset="-122"/>
               </a:rPr>
               <a:pPr/>
-              <a:t>2017/3/15</a:t>
+              <a:t>2017/3/23</a:t>
             </a:fld>
             <a:endParaRPr lang="zh-CN" altLang="en-US" sz="1300" b="1" i="1">
               <a:solidFill>
@@ -12132,7 +12132,7 @@
                 <a:ea typeface="宋体" panose="02010600030101010101" pitchFamily="2" charset="-122"/>
               </a:rPr>
               <a:pPr/>
-              <a:t>2017/3/15</a:t>
+              <a:t>2017/3/23</a:t>
             </a:fld>
             <a:endParaRPr lang="zh-CN" altLang="en-US" sz="1300" b="1" i="1">
               <a:solidFill>
@@ -12421,7 +12421,7 @@
                 <a:ea typeface="宋体" panose="02010600030101010101" pitchFamily="2" charset="-122"/>
               </a:rPr>
               <a:pPr latinLnBrk="1"/>
-              <a:t>2017/3/15</a:t>
+              <a:t>2017/3/23</a:t>
             </a:fld>
             <a:endParaRPr lang="zh-CN" altLang="en-US" sz="1300">
               <a:solidFill>
@@ -12886,7 +12886,7 @@
                 <a:ea typeface="宋体" panose="02010600030101010101" pitchFamily="2" charset="-122"/>
               </a:rPr>
               <a:pPr/>
-              <a:t>2017/3/15</a:t>
+              <a:t>2017/3/23</a:t>
             </a:fld>
             <a:endParaRPr lang="zh-CN" altLang="en-US" sz="1300" b="1" i="1">
               <a:solidFill>
@@ -13223,7 +13223,7 @@
                 <a:ea typeface="宋体" panose="02010600030101010101" pitchFamily="2" charset="-122"/>
               </a:rPr>
               <a:pPr/>
-              <a:t>2017/3/15</a:t>
+              <a:t>2017/3/23</a:t>
             </a:fld>
             <a:endParaRPr lang="zh-CN" altLang="en-US" sz="1300" b="1" i="1">
               <a:solidFill>
@@ -13723,7 +13723,7 @@
                 <a:ea typeface="宋体" panose="02010600030101010101" pitchFamily="2" charset="-122"/>
               </a:rPr>
               <a:pPr/>
-              <a:t>2017/3/15</a:t>
+              <a:t>2017/3/23</a:t>
             </a:fld>
             <a:endParaRPr lang="zh-CN" altLang="en-US" sz="1300" b="1" i="1">
               <a:solidFill>
@@ -13805,8 +13805,8 @@
           </a:p>
         </p:txBody>
       </p:sp>
-      <mc:AlternateContent xmlns:mc="http://schemas.openxmlformats.org/markup-compatibility/2006" xmlns:a14="http://schemas.microsoft.com/office/drawing/2010/main">
-        <mc:Choice Requires="a14">
+      <mc:AlternateContent xmlns:mc="http://schemas.openxmlformats.org/markup-compatibility/2006">
+        <mc:Choice xmlns:a14="http://schemas.microsoft.com/office/drawing/2010/main" Requires="a14">
           <p:sp>
             <p:nvSpPr>
               <p:cNvPr id="1048690" name="Rectangle 114"/>
@@ -14241,17 +14241,39 @@
                           </a:rPr>
                           <m:t>,</m:t>
                         </m:r>
+                        <m:sSup>
+                          <m:sSupPr>
+                            <m:ctrlPr>
+                              <a:rPr lang="zh-CN" altLang="zh-CN" i="1">
+                                <a:latin typeface="Cambria Math" panose="02040503050406030204" pitchFamily="18" charset="0"/>
+                              </a:rPr>
+                            </m:ctrlPr>
+                          </m:sSupPr>
+                          <m:e>
+                            <m:r>
+                              <m:rPr>
+                                <m:sty m:val="p"/>
+                              </m:rPr>
+                              <a:rPr lang="en-US" altLang="zh-CN" i="1" smtClean="0">
+                                <a:latin typeface="Cambria Math" panose="02040503050406030204" pitchFamily="18" charset="0"/>
+                              </a:rPr>
+                              <m:t>Y</m:t>
+                            </m:r>
+                          </m:e>
+                          <m:sup>
+                            <m:r>
+                              <a:rPr lang="en-US" altLang="zh-CN" i="1">
+                                <a:latin typeface="Cambria Math" panose="02040503050406030204" pitchFamily="18" charset="0"/>
+                              </a:rPr>
+                              <m:t>′</m:t>
+                            </m:r>
+                          </m:sup>
+                        </m:sSup>
                         <m:r>
                           <a:rPr lang="en-US" altLang="zh-CN" i="1">
                             <a:latin typeface="Cambria Math" panose="02040503050406030204" pitchFamily="18" charset="0"/>
                           </a:rPr>
-                          <m:t>𝑌</m:t>
-                        </m:r>
-                        <m:r>
-                          <a:rPr lang="en-US" altLang="zh-CN" i="1">
-                            <a:latin typeface="Cambria Math" panose="02040503050406030204" pitchFamily="18" charset="0"/>
-                          </a:rPr>
-                          <m:t>′)</m:t>
+                          <m:t>)</m:t>
                         </m:r>
                       </m:num>
                       <m:den>
@@ -14864,12 +14886,12 @@
             </p:txBody>
           </p:sp>
         </mc:Choice>
-        <mc:Fallback xmlns="">
+        <mc:Fallback>
           <p:sp>
             <p:nvSpPr>
               <p:cNvPr id="1048690" name="Rectangle 114"/>
               <p:cNvSpPr>
-                <a:spLocks noRot="1" noChangeAspect="1" noMove="1" noResize="1" noEditPoints="1" noAdjustHandles="1" noChangeArrowheads="1" noChangeShapeType="1" noTextEdit="1"/>
+                <a:spLocks noGrp="1" noRot="1" noChangeAspect="1" noMove="1" noResize="1" noEditPoints="1" noAdjustHandles="1" noChangeArrowheads="1" noChangeShapeType="1" noTextEdit="1"/>
               </p:cNvSpPr>
               <p:nvPr>
                 <p:ph idx="1"/>
@@ -15052,7 +15074,7 @@
                 <a:ea typeface="宋体" panose="02010600030101010101" pitchFamily="2" charset="-122"/>
               </a:rPr>
               <a:pPr/>
-              <a:t>2017/3/15</a:t>
+              <a:t>2017/3/23</a:t>
             </a:fld>
             <a:endParaRPr lang="zh-CN" altLang="en-US" sz="1300" b="1" i="1">
               <a:solidFill>
@@ -16212,7 +16234,7 @@
                 <a:ea typeface="宋体" panose="02010600030101010101" pitchFamily="2" charset="-122"/>
               </a:rPr>
               <a:pPr/>
-              <a:t>2017/3/15</a:t>
+              <a:t>2017/3/23</a:t>
             </a:fld>
             <a:endParaRPr lang="zh-CN" altLang="en-US" sz="1300" b="1" i="1">
               <a:solidFill>
@@ -17692,7 +17714,7 @@
                 <a:ea typeface="宋体" panose="02010600030101010101" pitchFamily="2" charset="-122"/>
               </a:rPr>
               <a:pPr/>
-              <a:t>2017/3/15</a:t>
+              <a:t>2017/3/23</a:t>
             </a:fld>
             <a:endParaRPr lang="zh-CN" altLang="en-US" sz="1300" b="1" i="1">
               <a:solidFill>
@@ -18551,7 +18573,7 @@
                 <a:ea typeface="宋体" panose="02010600030101010101" pitchFamily="2" charset="-122"/>
               </a:rPr>
               <a:pPr/>
-              <a:t>2017/3/15</a:t>
+              <a:t>2017/3/23</a:t>
             </a:fld>
             <a:endParaRPr lang="zh-CN" altLang="en-US" sz="1300" b="1" i="1">
               <a:solidFill>
